--- a/InstagramforAmazon.pptx
+++ b/InstagramforAmazon.pptx
@@ -5851,7 +5851,7 @@
           <a:p>
             <a:fld id="{9184DA70-C731-4C70-880D-CCD4705E623C}" type="datetime1">
               <a:rPr lang="en-US" smtClean="0"/>
-              <a:t>8/31/2021</a:t>
+              <a:t>9/2/2021</a:t>
             </a:fld>
             <a:endParaRPr lang="en-US" dirty="0"/>
           </a:p>
@@ -6039,7 +6039,7 @@
           <a:p>
             <a:fld id="{4BE1D723-8F53-4F53-90B0-1982A396982E}" type="datetime1">
               <a:rPr lang="en-US" smtClean="0"/>
-              <a:t>8/31/2021</a:t>
+              <a:t>9/2/2021</a:t>
             </a:fld>
             <a:endParaRPr lang="en-US" dirty="0"/>
           </a:p>
@@ -6412,7 +6412,7 @@
           <a:p>
             <a:fld id="{97669AF7-7BEB-44E4-9852-375E34362B5B}" type="datetime1">
               <a:rPr lang="en-US" smtClean="0"/>
-              <a:t>8/31/2021</a:t>
+              <a:t>9/2/2021</a:t>
             </a:fld>
             <a:endParaRPr lang="en-US" dirty="0"/>
           </a:p>
@@ -6667,7 +6667,7 @@
           <a:p>
             <a:fld id="{BAAAC38D-0552-4C82-B593-E6124DFADBE2}" type="datetime1">
               <a:rPr lang="en-US" smtClean="0"/>
-              <a:t>8/31/2021</a:t>
+              <a:t>9/2/2021</a:t>
             </a:fld>
             <a:endParaRPr lang="en-US" dirty="0"/>
           </a:p>
@@ -7064,7 +7064,7 @@
           <a:p>
             <a:fld id="{D9DF0F1C-5577-4ACB-BB62-DF8F3C494C7E}" type="datetime1">
               <a:rPr lang="en-US" smtClean="0"/>
-              <a:t>8/31/2021</a:t>
+              <a:t>9/2/2021</a:t>
             </a:fld>
             <a:endParaRPr lang="en-US" dirty="0"/>
           </a:p>
@@ -7200,7 +7200,7 @@
           <a:p>
             <a:fld id="{1775B394-D9F9-4F0C-B15D-605F45CB9E9F}" type="datetime1">
               <a:rPr lang="en-US" smtClean="0"/>
-              <a:t>8/31/2021</a:t>
+              <a:t>9/2/2021</a:t>
             </a:fld>
             <a:endParaRPr lang="en-US" dirty="0"/>
           </a:p>
@@ -7357,7 +7357,7 @@
           <a:p>
             <a:fld id="{39667345-2558-425A-8533-9BFDBCE15005}" type="datetime1">
               <a:rPr lang="en-US" smtClean="0"/>
-              <a:t>8/31/2021</a:t>
+              <a:t>9/2/2021</a:t>
             </a:fld>
             <a:endParaRPr lang="en-US" dirty="0"/>
           </a:p>
@@ -7686,7 +7686,7 @@
           <a:p>
             <a:fld id="{92BEA474-078D-4E9B-9B14-09A87B19DC46}" type="datetime1">
               <a:rPr lang="en-US" smtClean="0"/>
-              <a:t>8/31/2021</a:t>
+              <a:t>9/2/2021</a:t>
             </a:fld>
             <a:endParaRPr lang="en-US" dirty="0"/>
           </a:p>
@@ -8036,7 +8036,7 @@
           <a:p>
             <a:fld id="{4907D986-8816-4272-A432-0437A28A9828}" type="datetime1">
               <a:rPr lang="en-US" smtClean="0"/>
-              <a:t>8/31/2021</a:t>
+              <a:t>9/2/2021</a:t>
             </a:fld>
             <a:endParaRPr lang="en-US" dirty="0"/>
           </a:p>
@@ -8297,7 +8297,7 @@
           <a:p>
             <a:fld id="{62D6E202-B606-4609-B914-27C9371A1F6D}" type="datetime1">
               <a:rPr lang="en-US" smtClean="0"/>
-              <a:t>8/31/2021</a:t>
+              <a:t>9/2/2021</a:t>
             </a:fld>
             <a:endParaRPr lang="en-US" dirty="0"/>
           </a:p>
@@ -9892,17 +9892,89 @@
         </p:nvSpPr>
         <p:spPr>
           <a:xfrm>
-            <a:off x="1096963" y="2675694"/>
-            <a:ext cx="10058400" cy="3193294"/>
+            <a:off x="1097280" y="2191603"/>
+            <a:ext cx="10058400" cy="4041557"/>
           </a:xfrm>
         </p:spPr>
         <p:txBody>
           <a:bodyPr>
-            <a:normAutofit/>
+            <a:normAutofit fontScale="92500" lnSpcReduction="10000"/>
           </a:bodyPr>
           <a:lstStyle/>
           <a:p>
-            <a:endParaRPr lang="en-US"/>
+            <a:r>
+              <a:rPr lang="en-US" sz="3600" b="1" dirty="0"/>
+              <a:t>Surprise</a:t>
+            </a:r>
+            <a:r>
+              <a:rPr lang="en-US" sz="3600" dirty="0"/>
+              <a:t> </a:t>
+            </a:r>
+          </a:p>
+          <a:p>
+            <a:r>
+              <a:rPr lang="en-US" sz="3600" dirty="0"/>
+              <a:t>A scikit </a:t>
+            </a:r>
+            <a:r>
+              <a:rPr lang="en-US" sz="3600" dirty="0" err="1"/>
+              <a:t>fot</a:t>
+            </a:r>
+            <a:r>
+              <a:rPr lang="en-US" sz="3600" dirty="0"/>
+              <a:t> recommendation systems </a:t>
+            </a:r>
+          </a:p>
+          <a:p>
+            <a:r>
+              <a:rPr lang="en-US" sz="3600" dirty="0"/>
+              <a:t> </a:t>
+            </a:r>
+          </a:p>
+          <a:p>
+            <a:r>
+              <a:rPr lang="en-US" sz="3600" b="1" dirty="0"/>
+              <a:t>Algorithms</a:t>
+            </a:r>
+            <a:r>
+              <a:rPr lang="en-US" sz="3600" dirty="0"/>
+              <a:t> </a:t>
+            </a:r>
+            <a:r>
+              <a:rPr lang="en-US" sz="3600" b="1" dirty="0"/>
+              <a:t>Tested</a:t>
+            </a:r>
+          </a:p>
+          <a:p>
+            <a:r>
+              <a:rPr lang="en-US" sz="3600" dirty="0" err="1"/>
+              <a:t>KNNBaseline</a:t>
+            </a:r>
+            <a:r>
+              <a:rPr lang="en-US" sz="3600" dirty="0"/>
+              <a:t>, </a:t>
+            </a:r>
+            <a:r>
+              <a:rPr lang="en-US" sz="3600" dirty="0" err="1"/>
+              <a:t>BaselineOnly</a:t>
+            </a:r>
+            <a:r>
+              <a:rPr lang="en-US" sz="3600" dirty="0"/>
+              <a:t>, </a:t>
+            </a:r>
+            <a:r>
+              <a:rPr lang="en-US" sz="3600" dirty="0" err="1"/>
+              <a:t>KNNBasic</a:t>
+            </a:r>
+            <a:r>
+              <a:rPr lang="en-US" sz="3600" dirty="0"/>
+              <a:t>, SVD&lt; </a:t>
+            </a:r>
+            <a:r>
+              <a:rPr lang="en-US" sz="3600" dirty="0" err="1"/>
+              <a:t>KNNWithMeans</a:t>
+            </a:r>
+            <a:endParaRPr lang="en-US" sz="3600" dirty="0"/>
           </a:p>
         </p:txBody>
       </p:sp>
@@ -10240,6 +10312,36 @@
           </a:fontRef>
         </p:style>
       </p:sp>
+      <p:pic>
+        <p:nvPicPr>
+          <p:cNvPr id="7" name="Content Placeholder 4" descr="Table&#10;&#10;Description automatically generated">
+            <a:extLst>
+              <a:ext uri="{FF2B5EF4-FFF2-40B4-BE49-F238E27FC236}">
+                <a16:creationId xmlns:a16="http://schemas.microsoft.com/office/drawing/2014/main" id="{AAF001A4-D696-458B-B03C-D72BE78D91D2}"/>
+              </a:ext>
+            </a:extLst>
+          </p:cNvPr>
+          <p:cNvPicPr>
+            <a:picLocks noChangeAspect="1"/>
+          </p:cNvPicPr>
+          <p:nvPr/>
+        </p:nvPicPr>
+        <p:blipFill>
+          <a:blip r:embed="rId2"/>
+          <a:stretch>
+            <a:fillRect/>
+          </a:stretch>
+        </p:blipFill>
+        <p:spPr>
+          <a:xfrm>
+            <a:off x="722526" y="2191603"/>
+            <a:ext cx="5967485" cy="3732852"/>
+          </a:xfrm>
+          <a:prstGeom prst="rect">
+            <a:avLst/>
+          </a:prstGeom>
+        </p:spPr>
+      </p:pic>
     </p:spTree>
     <p:extLst>
       <p:ext uri="{BB962C8B-B14F-4D97-AF65-F5344CB8AC3E}">
@@ -10432,38 +10534,35 @@
           </a:p>
         </p:txBody>
       </p:sp>
-      <p:sp>
-        <p:nvSpPr>
-          <p:cNvPr id="3" name="Content Placeholder 2">
+      <p:pic>
+        <p:nvPicPr>
+          <p:cNvPr id="5" name="Content Placeholder 4" descr="Table&#10;&#10;Description automatically generated">
             <a:extLst>
               <a:ext uri="{FF2B5EF4-FFF2-40B4-BE49-F238E27FC236}">
-                <a16:creationId xmlns:a16="http://schemas.microsoft.com/office/drawing/2014/main" id="{91097D34-F157-45D0-AAB7-EA30CAAB0B61}"/>
+                <a16:creationId xmlns:a16="http://schemas.microsoft.com/office/drawing/2014/main" id="{338632D6-8F27-4D86-AEF5-A823711A8AE6}"/>
               </a:ext>
             </a:extLst>
           </p:cNvPr>
-          <p:cNvSpPr>
-            <a:spLocks noGrp="1"/>
-          </p:cNvSpPr>
+          <p:cNvPicPr>
+            <a:picLocks noGrp="1" noChangeAspect="1"/>
+          </p:cNvPicPr>
           <p:nvPr>
             <p:ph idx="1"/>
           </p:nvPr>
-        </p:nvSpPr>
+        </p:nvPicPr>
+        <p:blipFill>
+          <a:blip r:embed="rId2"/>
+          <a:stretch>
+            <a:fillRect/>
+          </a:stretch>
+        </p:blipFill>
         <p:spPr>
           <a:xfrm>
-            <a:off x="1096963" y="2675694"/>
-            <a:ext cx="10058400" cy="3193294"/>
+            <a:off x="722526" y="2191603"/>
+            <a:ext cx="5967485" cy="3732852"/>
           </a:xfrm>
         </p:spPr>
-        <p:txBody>
-          <a:bodyPr>
-            <a:normAutofit/>
-          </a:bodyPr>
-          <a:lstStyle/>
-          <a:p>
-            <a:endParaRPr lang="en-US"/>
-          </a:p>
-        </p:txBody>
-      </p:sp>
+      </p:pic>
       <p:sp>
         <p:nvSpPr>
           <p:cNvPr id="12" name="Rectangle 11">
@@ -10701,45 +10800,18 @@
           <a:lstStyle/>
           <a:p>
             <a:r>
-              <a:rPr lang="en-US" dirty="0">
+              <a:rPr lang="en-US">
                 <a:solidFill>
                   <a:srgbClr val="FFFFFF"/>
                 </a:solidFill>
               </a:rPr>
               <a:t>Conclusion </a:t>
             </a:r>
-          </a:p>
-        </p:txBody>
-      </p:sp>
-      <p:sp>
-        <p:nvSpPr>
-          <p:cNvPr id="3" name="Content Placeholder 2">
-            <a:extLst>
-              <a:ext uri="{FF2B5EF4-FFF2-40B4-BE49-F238E27FC236}">
-                <a16:creationId xmlns:a16="http://schemas.microsoft.com/office/drawing/2014/main" id="{40A35378-060B-4D8E-AC99-E16FF58FCBC1}"/>
-              </a:ext>
-            </a:extLst>
-          </p:cNvPr>
-          <p:cNvSpPr>
-            <a:spLocks noGrp="1"/>
-          </p:cNvSpPr>
-          <p:nvPr>
-            <p:ph idx="1"/>
-          </p:nvPr>
-        </p:nvSpPr>
-        <p:spPr>
-          <a:xfrm>
-            <a:off x="1096963" y="2675694"/>
-            <a:ext cx="10058400" cy="3193294"/>
-          </a:xfrm>
-        </p:spPr>
-        <p:txBody>
-          <a:bodyPr>
-            <a:normAutofit/>
-          </a:bodyPr>
-          <a:lstStyle/>
-          <a:p>
-            <a:endParaRPr lang="en-US"/>
+            <a:endParaRPr lang="en-US" dirty="0">
+              <a:solidFill>
+                <a:srgbClr val="FFFFFF"/>
+              </a:solidFill>
+            </a:endParaRPr>
           </a:p>
         </p:txBody>
       </p:sp>
@@ -10797,6 +10869,70 @@
             <a:schemeClr val="lt1"/>
           </a:fontRef>
         </p:style>
+      </p:sp>
+      <p:pic>
+        <p:nvPicPr>
+          <p:cNvPr id="11" name="Content Placeholder 10">
+            <a:extLst>
+              <a:ext uri="{FF2B5EF4-FFF2-40B4-BE49-F238E27FC236}">
+                <a16:creationId xmlns:a16="http://schemas.microsoft.com/office/drawing/2014/main" id="{96BF62D2-679D-4B82-A07E-9CD85092A021}"/>
+              </a:ext>
+            </a:extLst>
+          </p:cNvPr>
+          <p:cNvPicPr>
+            <a:picLocks noGrp="1" noChangeAspect="1"/>
+          </p:cNvPicPr>
+          <p:nvPr>
+            <p:ph idx="1"/>
+          </p:nvPr>
+        </p:nvPicPr>
+        <p:blipFill>
+          <a:blip r:embed="rId2"/>
+          <a:stretch>
+            <a:fillRect/>
+          </a:stretch>
+        </p:blipFill>
+        <p:spPr>
+          <a:xfrm>
+            <a:off x="7337094" y="2105183"/>
+            <a:ext cx="3755720" cy="4095433"/>
+          </a:xfrm>
+        </p:spPr>
+      </p:pic>
+      <p:sp>
+        <p:nvSpPr>
+          <p:cNvPr id="13" name="TextBox 12">
+            <a:extLst>
+              <a:ext uri="{FF2B5EF4-FFF2-40B4-BE49-F238E27FC236}">
+                <a16:creationId xmlns:a16="http://schemas.microsoft.com/office/drawing/2014/main" id="{C70B22BE-5E71-4E91-A965-2C1C931E47FB}"/>
+              </a:ext>
+            </a:extLst>
+          </p:cNvPr>
+          <p:cNvSpPr txBox="1"/>
+          <p:nvPr/>
+        </p:nvSpPr>
+        <p:spPr>
+          <a:xfrm>
+            <a:off x="618186" y="2505669"/>
+            <a:ext cx="5531475" cy="646331"/>
+          </a:xfrm>
+          <a:prstGeom prst="rect">
+            <a:avLst/>
+          </a:prstGeom>
+          <a:noFill/>
+        </p:spPr>
+        <p:txBody>
+          <a:bodyPr wrap="square" rtlCol="0">
+            <a:spAutoFit/>
+          </a:bodyPr>
+          <a:lstStyle/>
+          <a:p>
+            <a:r>
+              <a:rPr lang="en-US" dirty="0"/>
+              <a:t>The predictions are diverse enough to not overfit while giving users a good range of other users to follow </a:t>
+            </a:r>
+          </a:p>
+        </p:txBody>
       </p:sp>
     </p:spTree>
     <p:extLst>
@@ -11973,15 +12109,6 @@
 </file>
 
 <file path=customXml/item2.xml><?xml version="1.0" encoding="utf-8"?>
-<?mso-contentType ?>
-<FormTemplates xmlns="http://schemas.microsoft.com/sharepoint/v3/contenttype/forms">
-  <Display>DocumentLibraryForm</Display>
-  <Edit>DocumentLibraryForm</Edit>
-  <New>DocumentLibraryForm</New>
-</FormTemplates>
-</file>
-
-<file path=customXml/item3.xml><?xml version="1.0" encoding="utf-8"?>
 <ct:contentTypeSchema xmlns:ct="http://schemas.microsoft.com/office/2006/metadata/contentType" xmlns:ma="http://schemas.microsoft.com/office/2006/metadata/properties/metaAttributes" ct:_="" ma:_="" ma:contentTypeName="Document" ma:contentTypeID="0x01010079F111ED35F8CC479449609E8A0923A6" ma:contentTypeVersion="12" ma:contentTypeDescription="Create a new document." ma:contentTypeScope="" ma:versionID="a410dd7f93c95333ffa1b60ed6adedd1">
   <xsd:schema xmlns:xsd="http://www.w3.org/2001/XMLSchema" xmlns:xs="http://www.w3.org/2001/XMLSchema" xmlns:p="http://schemas.microsoft.com/office/2006/metadata/properties" xmlns:ns2="71af3243-3dd4-4a8d-8c0d-dd76da1f02a5" xmlns:ns3="16c05727-aa75-4e4a-9b5f-8a80a1165891" targetNamespace="http://schemas.microsoft.com/office/2006/metadata/properties" ma:root="true" ma:fieldsID="a936d9baba76aa3866493feff160faab" ns2:_="" ns3:_="">
     <xsd:import namespace="71af3243-3dd4-4a8d-8c0d-dd76da1f02a5"/>
@@ -12202,6 +12329,15 @@
 </ct:contentTypeSchema>
 </file>
 
+<file path=customXml/item3.xml><?xml version="1.0" encoding="utf-8"?>
+<?mso-contentType ?>
+<FormTemplates xmlns="http://schemas.microsoft.com/sharepoint/v3/contenttype/forms">
+  <Display>DocumentLibraryForm</Display>
+  <Edit>DocumentLibraryForm</Edit>
+  <New>DocumentLibraryForm</New>
+</FormTemplates>
+</file>
+
 <file path=customXml/itemProps1.xml><?xml version="1.0" encoding="utf-8"?>
 <ds:datastoreItem xmlns:ds="http://schemas.openxmlformats.org/officeDocument/2006/customXml" ds:itemID="{8F3CD65D-61A5-43C9-A837-6EC73C7DA8AB}">
   <ds:schemaRefs>
@@ -12213,14 +12349,6 @@
 </file>
 
 <file path=customXml/itemProps2.xml><?xml version="1.0" encoding="utf-8"?>
-<ds:datastoreItem xmlns:ds="http://schemas.openxmlformats.org/officeDocument/2006/customXml" ds:itemID="{31F006B4-A9E1-4F39-85C8-FB836F919348}">
-  <ds:schemaRefs>
-    <ds:schemaRef ds:uri="http://schemas.microsoft.com/sharepoint/v3/contenttype/forms"/>
-  </ds:schemaRefs>
-</ds:datastoreItem>
-</file>
-
-<file path=customXml/itemProps3.xml><?xml version="1.0" encoding="utf-8"?>
 <ds:datastoreItem xmlns:ds="http://schemas.openxmlformats.org/officeDocument/2006/customXml" ds:itemID="{16377351-63A1-4C2E-8C9A-66CDD70F16AC}">
   <ds:schemaRefs>
     <ds:schemaRef ds:uri="http://schemas.microsoft.com/office/2006/metadata/contentType"/>
@@ -12237,4 +12365,12 @@
     <ds:schemaRef ds:uri="http://schemas.microsoft.com/internal/obd"/>
   </ds:schemaRefs>
 </ds:datastoreItem>
+</file>
+
+<file path=customXml/itemProps3.xml><?xml version="1.0" encoding="utf-8"?>
+<ds:datastoreItem xmlns:ds="http://schemas.openxmlformats.org/officeDocument/2006/customXml" ds:itemID="{31F006B4-A9E1-4F39-85C8-FB836F919348}">
+  <ds:schemaRefs>
+    <ds:schemaRef ds:uri="http://schemas.microsoft.com/sharepoint/v3/contenttype/forms"/>
+  </ds:schemaRefs>
+</ds:datastoreItem>
 </file>